--- a/docs/Презентация_проект.pptx
+++ b/docs/Презентация_проект.pptx
@@ -6,12 +6,11 @@
   </p:sldMasterIdLst>
   <p:sldIdLst>
     <p:sldId id="256" r:id="rId2"/>
-    <p:sldId id="262" r:id="rId3"/>
-    <p:sldId id="257" r:id="rId4"/>
-    <p:sldId id="258" r:id="rId5"/>
-    <p:sldId id="260" r:id="rId6"/>
-    <p:sldId id="259" r:id="rId7"/>
-    <p:sldId id="261" r:id="rId8"/>
+    <p:sldId id="257" r:id="rId3"/>
+    <p:sldId id="258" r:id="rId4"/>
+    <p:sldId id="260" r:id="rId5"/>
+    <p:sldId id="259" r:id="rId6"/>
+    <p:sldId id="261" r:id="rId7"/>
   </p:sldIdLst>
   <p:sldSz cx="12192000" cy="6858000"/>
   <p:notesSz cx="6858000" cy="9144000"/>
@@ -279,7 +278,7 @@
           <a:p>
             <a:fld id="{35B29787-89FA-F14A-9C66-3F80C2FFC924}" type="datetimeFigureOut">
               <a:rPr lang="ru-KZ" smtClean="0"/>
-              <a:t>04.11.2022</a:t>
+              <a:t>05.11.2022</a:t>
             </a:fld>
             <a:endParaRPr lang="ru-KZ"/>
           </a:p>
@@ -479,7 +478,7 @@
           <a:p>
             <a:fld id="{35B29787-89FA-F14A-9C66-3F80C2FFC924}" type="datetimeFigureOut">
               <a:rPr lang="ru-KZ" smtClean="0"/>
-              <a:t>04.11.2022</a:t>
+              <a:t>05.11.2022</a:t>
             </a:fld>
             <a:endParaRPr lang="ru-KZ"/>
           </a:p>
@@ -689,7 +688,7 @@
           <a:p>
             <a:fld id="{35B29787-89FA-F14A-9C66-3F80C2FFC924}" type="datetimeFigureOut">
               <a:rPr lang="ru-KZ" smtClean="0"/>
-              <a:t>04.11.2022</a:t>
+              <a:t>05.11.2022</a:t>
             </a:fld>
             <a:endParaRPr lang="ru-KZ"/>
           </a:p>
@@ -889,7 +888,7 @@
           <a:p>
             <a:fld id="{35B29787-89FA-F14A-9C66-3F80C2FFC924}" type="datetimeFigureOut">
               <a:rPr lang="ru-KZ" smtClean="0"/>
-              <a:t>04.11.2022</a:t>
+              <a:t>05.11.2022</a:t>
             </a:fld>
             <a:endParaRPr lang="ru-KZ"/>
           </a:p>
@@ -1165,7 +1164,7 @@
           <a:p>
             <a:fld id="{35B29787-89FA-F14A-9C66-3F80C2FFC924}" type="datetimeFigureOut">
               <a:rPr lang="ru-KZ" smtClean="0"/>
-              <a:t>04.11.2022</a:t>
+              <a:t>05.11.2022</a:t>
             </a:fld>
             <a:endParaRPr lang="ru-KZ"/>
           </a:p>
@@ -1433,7 +1432,7 @@
           <a:p>
             <a:fld id="{35B29787-89FA-F14A-9C66-3F80C2FFC924}" type="datetimeFigureOut">
               <a:rPr lang="ru-KZ" smtClean="0"/>
-              <a:t>04.11.2022</a:t>
+              <a:t>05.11.2022</a:t>
             </a:fld>
             <a:endParaRPr lang="ru-KZ"/>
           </a:p>
@@ -1848,7 +1847,7 @@
           <a:p>
             <a:fld id="{35B29787-89FA-F14A-9C66-3F80C2FFC924}" type="datetimeFigureOut">
               <a:rPr lang="ru-KZ" smtClean="0"/>
-              <a:t>04.11.2022</a:t>
+              <a:t>05.11.2022</a:t>
             </a:fld>
             <a:endParaRPr lang="ru-KZ"/>
           </a:p>
@@ -1990,7 +1989,7 @@
           <a:p>
             <a:fld id="{35B29787-89FA-F14A-9C66-3F80C2FFC924}" type="datetimeFigureOut">
               <a:rPr lang="ru-KZ" smtClean="0"/>
-              <a:t>04.11.2022</a:t>
+              <a:t>05.11.2022</a:t>
             </a:fld>
             <a:endParaRPr lang="ru-KZ"/>
           </a:p>
@@ -2103,7 +2102,7 @@
           <a:p>
             <a:fld id="{35B29787-89FA-F14A-9C66-3F80C2FFC924}" type="datetimeFigureOut">
               <a:rPr lang="ru-KZ" smtClean="0"/>
-              <a:t>04.11.2022</a:t>
+              <a:t>05.11.2022</a:t>
             </a:fld>
             <a:endParaRPr lang="ru-KZ"/>
           </a:p>
@@ -2416,7 +2415,7 @@
           <a:p>
             <a:fld id="{35B29787-89FA-F14A-9C66-3F80C2FFC924}" type="datetimeFigureOut">
               <a:rPr lang="ru-KZ" smtClean="0"/>
-              <a:t>04.11.2022</a:t>
+              <a:t>05.11.2022</a:t>
             </a:fld>
             <a:endParaRPr lang="ru-KZ"/>
           </a:p>
@@ -2705,7 +2704,7 @@
           <a:p>
             <a:fld id="{35B29787-89FA-F14A-9C66-3F80C2FFC924}" type="datetimeFigureOut">
               <a:rPr lang="ru-KZ" smtClean="0"/>
-              <a:t>04.11.2022</a:t>
+              <a:t>05.11.2022</a:t>
             </a:fld>
             <a:endParaRPr lang="ru-KZ"/>
           </a:p>
@@ -2948,7 +2947,7 @@
           <a:p>
             <a:fld id="{35B29787-89FA-F14A-9C66-3F80C2FFC924}" type="datetimeFigureOut">
               <a:rPr lang="ru-KZ" smtClean="0"/>
-              <a:t>04.11.2022</a:t>
+              <a:t>05.11.2022</a:t>
             </a:fld>
             <a:endParaRPr lang="ru-KZ"/>
           </a:p>
@@ -3546,6 +3545,46 @@
           </a:prstGeom>
         </p:spPr>
       </p:pic>
+      <p:sp>
+        <p:nvSpPr>
+          <p:cNvPr id="5" name="TextBox 4">
+            <a:extLst>
+              <a:ext uri="{FF2B5EF4-FFF2-40B4-BE49-F238E27FC236}">
+                <a16:creationId xmlns:a16="http://schemas.microsoft.com/office/drawing/2014/main" id="{719334D5-B954-4143-AAAA-E1E76E51D9D6}"/>
+              </a:ext>
+            </a:extLst>
+          </p:cNvPr>
+          <p:cNvSpPr txBox="1"/>
+          <p:nvPr/>
+        </p:nvSpPr>
+        <p:spPr>
+          <a:xfrm>
+            <a:off x="5730240" y="6430215"/>
+            <a:ext cx="6461760" cy="369332"/>
+          </a:xfrm>
+          <a:prstGeom prst="rect">
+            <a:avLst/>
+          </a:prstGeom>
+          <a:noFill/>
+        </p:spPr>
+        <p:txBody>
+          <a:bodyPr wrap="square" rtlCol="0">
+            <a:spAutoFit/>
+          </a:bodyPr>
+          <a:lstStyle/>
+          <a:p>
+            <a:r>
+              <a:rPr lang="ru-RU" dirty="0">
+                <a:latin typeface="Andale Mono" panose="020B0509000000000004" pitchFamily="49" charset="0"/>
+              </a:rPr>
+              <a:t>Руководитель Михаил Владимирович Кормановский</a:t>
+            </a:r>
+            <a:endParaRPr lang="ru-KZ" dirty="0">
+              <a:latin typeface="Andale Mono" panose="020B0509000000000004" pitchFamily="49" charset="0"/>
+            </a:endParaRPr>
+          </a:p>
+        </p:txBody>
+      </p:sp>
     </p:spTree>
     <p:extLst>
       <p:ext uri="{BB962C8B-B14F-4D97-AF65-F5344CB8AC3E}">
@@ -3572,169 +3611,6 @@
 </file>
 
 <file path=ppt/slides/slide2.xml><?xml version="1.0" encoding="utf-8"?>
-<p:sld xmlns:a="http://schemas.openxmlformats.org/drawingml/2006/main" xmlns:r="http://schemas.openxmlformats.org/officeDocument/2006/relationships" xmlns:p="http://schemas.openxmlformats.org/presentationml/2006/main">
-  <p:cSld>
-    <p:spTree>
-      <p:nvGrpSpPr>
-        <p:cNvPr id="1" name=""/>
-        <p:cNvGrpSpPr/>
-        <p:nvPr/>
-      </p:nvGrpSpPr>
-      <p:grpSpPr>
-        <a:xfrm>
-          <a:off x="0" y="0"/>
-          <a:ext cx="0" cy="0"/>
-          <a:chOff x="0" y="0"/>
-          <a:chExt cx="0" cy="0"/>
-        </a:xfrm>
-      </p:grpSpPr>
-      <p:sp>
-        <p:nvSpPr>
-          <p:cNvPr id="4" name="Прямоугольник 3">
-            <a:extLst>
-              <a:ext uri="{FF2B5EF4-FFF2-40B4-BE49-F238E27FC236}">
-                <a16:creationId xmlns:a16="http://schemas.microsoft.com/office/drawing/2014/main" id="{49B50BB8-1423-CA4B-8C59-ED6287F3C99A}"/>
-              </a:ext>
-            </a:extLst>
-          </p:cNvPr>
-          <p:cNvSpPr/>
-          <p:nvPr/>
-        </p:nvSpPr>
-        <p:spPr>
-          <a:xfrm>
-            <a:off x="0" y="0"/>
-            <a:ext cx="12192000" cy="1371600"/>
-          </a:xfrm>
-          <a:prstGeom prst="rect">
-            <a:avLst/>
-          </a:prstGeom>
-          <a:solidFill>
-            <a:schemeClr val="accent4"/>
-          </a:solidFill>
-          <a:ln>
-            <a:solidFill>
-              <a:schemeClr val="accent4"/>
-            </a:solidFill>
-          </a:ln>
-        </p:spPr>
-        <p:style>
-          <a:lnRef idx="2">
-            <a:schemeClr val="accent1">
-              <a:shade val="50000"/>
-            </a:schemeClr>
-          </a:lnRef>
-          <a:fillRef idx="1">
-            <a:schemeClr val="accent1"/>
-          </a:fillRef>
-          <a:effectRef idx="0">
-            <a:schemeClr val="accent1"/>
-          </a:effectRef>
-          <a:fontRef idx="minor">
-            <a:schemeClr val="lt1"/>
-          </a:fontRef>
-        </p:style>
-        <p:txBody>
-          <a:bodyPr rtlCol="0" anchor="ctr"/>
-          <a:lstStyle/>
-          <a:p>
-            <a:pPr algn="ctr"/>
-            <a:endParaRPr lang="ru-KZ"/>
-          </a:p>
-        </p:txBody>
-      </p:sp>
-      <p:sp>
-        <p:nvSpPr>
-          <p:cNvPr id="2" name="Заголовок 1">
-            <a:extLst>
-              <a:ext uri="{FF2B5EF4-FFF2-40B4-BE49-F238E27FC236}">
-                <a16:creationId xmlns:a16="http://schemas.microsoft.com/office/drawing/2014/main" id="{1FC10DD3-635E-3645-BC4C-5FF64FF4BF03}"/>
-              </a:ext>
-            </a:extLst>
-          </p:cNvPr>
-          <p:cNvSpPr>
-            <a:spLocks noGrp="1"/>
-          </p:cNvSpPr>
-          <p:nvPr>
-            <p:ph type="title"/>
-          </p:nvPr>
-        </p:nvSpPr>
-        <p:spPr>
-          <a:xfrm>
-            <a:off x="-111513" y="1669426"/>
-            <a:ext cx="12192000" cy="1325563"/>
-          </a:xfrm>
-        </p:spPr>
-        <p:txBody>
-          <a:bodyPr/>
-          <a:lstStyle/>
-          <a:p>
-            <a:pPr algn="ctr"/>
-            <a:r>
-              <a:rPr lang="ru-KZ" dirty="0">
-                <a:latin typeface="Andale Mono" panose="020B0509000000000004" pitchFamily="49" charset="0"/>
-              </a:rPr>
-              <a:t>Руководитель проекта</a:t>
-            </a:r>
-          </a:p>
-        </p:txBody>
-      </p:sp>
-      <p:sp>
-        <p:nvSpPr>
-          <p:cNvPr id="3" name="TextBox 2">
-            <a:extLst>
-              <a:ext uri="{FF2B5EF4-FFF2-40B4-BE49-F238E27FC236}">
-                <a16:creationId xmlns:a16="http://schemas.microsoft.com/office/drawing/2014/main" id="{3A82A8D2-84A3-B043-9BE3-4FAED3DC95DB}"/>
-              </a:ext>
-            </a:extLst>
-          </p:cNvPr>
-          <p:cNvSpPr txBox="1"/>
-          <p:nvPr/>
-        </p:nvSpPr>
-        <p:spPr>
-          <a:xfrm>
-            <a:off x="2513670" y="2994989"/>
-            <a:ext cx="6941635" cy="523220"/>
-          </a:xfrm>
-          <a:prstGeom prst="rect">
-            <a:avLst/>
-          </a:prstGeom>
-          <a:noFill/>
-        </p:spPr>
-        <p:txBody>
-          <a:bodyPr wrap="square" rtlCol="0">
-            <a:spAutoFit/>
-          </a:bodyPr>
-          <a:lstStyle/>
-          <a:p>
-            <a:pPr algn="ctr">
-              <a:buSzPct val="150000"/>
-            </a:pPr>
-            <a:r>
-              <a:rPr lang="ru-KZ" sz="2800" dirty="0">
-                <a:latin typeface="Andale Mono" panose="020B0509000000000004" pitchFamily="49" charset="0"/>
-              </a:rPr>
-              <a:t>Михаил Владимирови Кормановский</a:t>
-            </a:r>
-          </a:p>
-        </p:txBody>
-      </p:sp>
-    </p:spTree>
-    <p:extLst>
-      <p:ext uri="{BB962C8B-B14F-4D97-AF65-F5344CB8AC3E}">
-        <p14:creationId xmlns:p14="http://schemas.microsoft.com/office/powerpoint/2010/main" val="20671033"/>
-      </p:ext>
-    </p:extLst>
-  </p:cSld>
-  <p:clrMapOvr>
-    <a:masterClrMapping/>
-  </p:clrMapOvr>
-  <p:transition spd="slow">
-    <p:push dir="d"/>
-  </p:transition>
-</p:sld>
-</file>
-
-<file path=ppt/slides/slide3.xml><?xml version="1.0" encoding="utf-8"?>
 <p:sld xmlns:a="http://schemas.openxmlformats.org/drawingml/2006/main" xmlns:r="http://schemas.openxmlformats.org/officeDocument/2006/relationships" xmlns:p="http://schemas.openxmlformats.org/presentationml/2006/main">
   <p:cSld>
     <p:bg>
@@ -4476,7 +4352,7 @@
 </p:sld>
 </file>
 
-<file path=ppt/slides/slide4.xml><?xml version="1.0" encoding="utf-8"?>
+<file path=ppt/slides/slide3.xml><?xml version="1.0" encoding="utf-8"?>
 <p:sld xmlns:a="http://schemas.openxmlformats.org/drawingml/2006/main" xmlns:r="http://schemas.openxmlformats.org/officeDocument/2006/relationships" xmlns:p="http://schemas.openxmlformats.org/presentationml/2006/main">
   <p:cSld>
     <p:spTree>
@@ -5144,7 +5020,7 @@
 </p:sld>
 </file>
 
-<file path=ppt/slides/slide5.xml><?xml version="1.0" encoding="utf-8"?>
+<file path=ppt/slides/slide4.xml><?xml version="1.0" encoding="utf-8"?>
 <p:sld xmlns:a="http://schemas.openxmlformats.org/drawingml/2006/main" xmlns:r="http://schemas.openxmlformats.org/officeDocument/2006/relationships" xmlns:p="http://schemas.openxmlformats.org/presentationml/2006/main">
   <p:cSld>
     <p:spTree>
@@ -5365,7 +5241,7 @@
 </p:sld>
 </file>
 
-<file path=ppt/slides/slide6.xml><?xml version="1.0" encoding="utf-8"?>
+<file path=ppt/slides/slide5.xml><?xml version="1.0" encoding="utf-8"?>
 <p:sld xmlns:a="http://schemas.openxmlformats.org/drawingml/2006/main" xmlns:r="http://schemas.openxmlformats.org/officeDocument/2006/relationships" xmlns:p="http://schemas.openxmlformats.org/presentationml/2006/main">
   <p:cSld>
     <p:spTree>
@@ -5396,7 +5272,7 @@
         </p:nvSpPr>
         <p:spPr>
           <a:xfrm>
-            <a:off x="0" y="1"/>
+            <a:off x="0" y="-95683"/>
             <a:ext cx="12192000" cy="955964"/>
           </a:xfrm>
           <a:prstGeom prst="rect">
@@ -5468,7 +5344,7 @@
               <a:rPr lang="ru-KZ" sz="3200" dirty="0">
                 <a:latin typeface="Andale Mono" panose="020B0509000000000004" pitchFamily="49" charset="0"/>
               </a:rPr>
-              <a:t>Технологии и баги </a:t>
+              <a:t>Технологии и ошибки</a:t>
             </a:r>
           </a:p>
         </p:txBody>
@@ -5680,7 +5556,7 @@
 </p:sld>
 </file>
 
-<file path=ppt/slides/slide7.xml><?xml version="1.0" encoding="utf-8"?>
+<file path=ppt/slides/slide6.xml><?xml version="1.0" encoding="utf-8"?>
 <p:sld xmlns:a="http://schemas.openxmlformats.org/drawingml/2006/main" xmlns:r="http://schemas.openxmlformats.org/officeDocument/2006/relationships" xmlns:p="http://schemas.openxmlformats.org/presentationml/2006/main">
   <p:cSld>
     <p:spTree>

--- a/docs/Презентация_проект.pptx
+++ b/docs/Презентация_проект.pptx
@@ -278,7 +278,7 @@
           <a:p>
             <a:fld id="{35B29787-89FA-F14A-9C66-3F80C2FFC924}" type="datetimeFigureOut">
               <a:rPr lang="ru-KZ" smtClean="0"/>
-              <a:t>05.11.2022</a:t>
+              <a:t>07.11.2022</a:t>
             </a:fld>
             <a:endParaRPr lang="ru-KZ"/>
           </a:p>
@@ -478,7 +478,7 @@
           <a:p>
             <a:fld id="{35B29787-89FA-F14A-9C66-3F80C2FFC924}" type="datetimeFigureOut">
               <a:rPr lang="ru-KZ" smtClean="0"/>
-              <a:t>05.11.2022</a:t>
+              <a:t>07.11.2022</a:t>
             </a:fld>
             <a:endParaRPr lang="ru-KZ"/>
           </a:p>
@@ -688,7 +688,7 @@
           <a:p>
             <a:fld id="{35B29787-89FA-F14A-9C66-3F80C2FFC924}" type="datetimeFigureOut">
               <a:rPr lang="ru-KZ" smtClean="0"/>
-              <a:t>05.11.2022</a:t>
+              <a:t>07.11.2022</a:t>
             </a:fld>
             <a:endParaRPr lang="ru-KZ"/>
           </a:p>
@@ -888,7 +888,7 @@
           <a:p>
             <a:fld id="{35B29787-89FA-F14A-9C66-3F80C2FFC924}" type="datetimeFigureOut">
               <a:rPr lang="ru-KZ" smtClean="0"/>
-              <a:t>05.11.2022</a:t>
+              <a:t>07.11.2022</a:t>
             </a:fld>
             <a:endParaRPr lang="ru-KZ"/>
           </a:p>
@@ -1164,7 +1164,7 @@
           <a:p>
             <a:fld id="{35B29787-89FA-F14A-9C66-3F80C2FFC924}" type="datetimeFigureOut">
               <a:rPr lang="ru-KZ" smtClean="0"/>
-              <a:t>05.11.2022</a:t>
+              <a:t>07.11.2022</a:t>
             </a:fld>
             <a:endParaRPr lang="ru-KZ"/>
           </a:p>
@@ -1432,7 +1432,7 @@
           <a:p>
             <a:fld id="{35B29787-89FA-F14A-9C66-3F80C2FFC924}" type="datetimeFigureOut">
               <a:rPr lang="ru-KZ" smtClean="0"/>
-              <a:t>05.11.2022</a:t>
+              <a:t>07.11.2022</a:t>
             </a:fld>
             <a:endParaRPr lang="ru-KZ"/>
           </a:p>
@@ -1847,7 +1847,7 @@
           <a:p>
             <a:fld id="{35B29787-89FA-F14A-9C66-3F80C2FFC924}" type="datetimeFigureOut">
               <a:rPr lang="ru-KZ" smtClean="0"/>
-              <a:t>05.11.2022</a:t>
+              <a:t>07.11.2022</a:t>
             </a:fld>
             <a:endParaRPr lang="ru-KZ"/>
           </a:p>
@@ -1989,7 +1989,7 @@
           <a:p>
             <a:fld id="{35B29787-89FA-F14A-9C66-3F80C2FFC924}" type="datetimeFigureOut">
               <a:rPr lang="ru-KZ" smtClean="0"/>
-              <a:t>05.11.2022</a:t>
+              <a:t>07.11.2022</a:t>
             </a:fld>
             <a:endParaRPr lang="ru-KZ"/>
           </a:p>
@@ -2102,7 +2102,7 @@
           <a:p>
             <a:fld id="{35B29787-89FA-F14A-9C66-3F80C2FFC924}" type="datetimeFigureOut">
               <a:rPr lang="ru-KZ" smtClean="0"/>
-              <a:t>05.11.2022</a:t>
+              <a:t>07.11.2022</a:t>
             </a:fld>
             <a:endParaRPr lang="ru-KZ"/>
           </a:p>
@@ -2415,7 +2415,7 @@
           <a:p>
             <a:fld id="{35B29787-89FA-F14A-9C66-3F80C2FFC924}" type="datetimeFigureOut">
               <a:rPr lang="ru-KZ" smtClean="0"/>
-              <a:t>05.11.2022</a:t>
+              <a:t>07.11.2022</a:t>
             </a:fld>
             <a:endParaRPr lang="ru-KZ"/>
           </a:p>
@@ -2704,7 +2704,7 @@
           <a:p>
             <a:fld id="{35B29787-89FA-F14A-9C66-3F80C2FFC924}" type="datetimeFigureOut">
               <a:rPr lang="ru-KZ" smtClean="0"/>
-              <a:t>05.11.2022</a:t>
+              <a:t>07.11.2022</a:t>
             </a:fld>
             <a:endParaRPr lang="ru-KZ"/>
           </a:p>
@@ -2947,7 +2947,7 @@
           <a:p>
             <a:fld id="{35B29787-89FA-F14A-9C66-3F80C2FFC924}" type="datetimeFigureOut">
               <a:rPr lang="ru-KZ" smtClean="0"/>
-              <a:t>05.11.2022</a:t>
+              <a:t>07.11.2022</a:t>
             </a:fld>
             <a:endParaRPr lang="ru-KZ"/>
           </a:p>
@@ -5051,7 +5051,7 @@
         </p:nvSpPr>
         <p:spPr>
           <a:xfrm>
-            <a:off x="0" y="89210"/>
+            <a:off x="0" y="0"/>
             <a:ext cx="12192000" cy="1371600"/>
           </a:xfrm>
           <a:prstGeom prst="rect">
